--- a/Documentation/Weekly Presentations/REUPresentation7-14.pptx
+++ b/Documentation/Weekly Presentations/REUPresentation7-14.pptx
@@ -526,7 +526,7 @@
           <a:noFill/>
           <a:extLst>
             <a:ext uri="{909E8E84-426E-40dd-AFC4-6F175D3DCCD1}">
-              <a14:hiddenFill xmlns:a14="http://schemas.microsoft.com/office/drawing/2010/main" xmlns="">
+              <a14:hiddenFill xmlns="" xmlns:a14="http://schemas.microsoft.com/office/drawing/2010/main">
                 <a:solidFill>
                   <a:srgbClr val="FFFFFF"/>
                 </a:solidFill>
@@ -585,7 +585,7 @@
             </a:ln>
             <a:extLst>
               <a:ext uri="{91240B29-F687-4f45-9708-019B960494DF}">
-                <a14:hiddenLine xmlns:a14="http://schemas.microsoft.com/office/drawing/2010/main" xmlns="" w="9525">
+                <a14:hiddenLine xmlns="" xmlns:a14="http://schemas.microsoft.com/office/drawing/2010/main" w="9525">
                   <a:solidFill>
                     <a:srgbClr val="000000"/>
                   </a:solidFill>
@@ -675,7 +675,7 @@
             </a:ln>
             <a:extLst>
               <a:ext uri="{91240B29-F687-4f45-9708-019B960494DF}">
-                <a14:hiddenLine xmlns:a14="http://schemas.microsoft.com/office/drawing/2010/main" xmlns="" w="9525">
+                <a14:hiddenLine xmlns="" xmlns:a14="http://schemas.microsoft.com/office/drawing/2010/main" w="9525">
                   <a:solidFill>
                     <a:srgbClr val="000000"/>
                   </a:solidFill>
@@ -765,7 +765,7 @@
             </a:ln>
             <a:extLst>
               <a:ext uri="{91240B29-F687-4f45-9708-019B960494DF}">
-                <a14:hiddenLine xmlns:a14="http://schemas.microsoft.com/office/drawing/2010/main" xmlns="" w="9525">
+                <a14:hiddenLine xmlns="" xmlns:a14="http://schemas.microsoft.com/office/drawing/2010/main" w="9525">
                   <a:solidFill>
                     <a:srgbClr val="000000"/>
                   </a:solidFill>
@@ -799,7 +799,7 @@
             </a:ln>
             <a:extLst>
               <a:ext uri="{91240B29-F687-4f45-9708-019B960494DF}">
-                <a14:hiddenLine xmlns:a14="http://schemas.microsoft.com/office/drawing/2010/main" xmlns="" w="9525">
+                <a14:hiddenLine xmlns="" xmlns:a14="http://schemas.microsoft.com/office/drawing/2010/main" w="9525">
                   <a:solidFill>
                     <a:srgbClr val="000000"/>
                   </a:solidFill>
@@ -889,7 +889,7 @@
             </a:ln>
             <a:extLst>
               <a:ext uri="{91240B29-F687-4f45-9708-019B960494DF}">
-                <a14:hiddenLine xmlns:a14="http://schemas.microsoft.com/office/drawing/2010/main" xmlns="" w="9525">
+                <a14:hiddenLine xmlns="" xmlns:a14="http://schemas.microsoft.com/office/drawing/2010/main" w="9525">
                   <a:solidFill>
                     <a:srgbClr val="000000"/>
                   </a:solidFill>
@@ -951,7 +951,7 @@
             </a:ln>
             <a:extLst>
               <a:ext uri="{91240B29-F687-4f45-9708-019B960494DF}">
-                <a14:hiddenLine xmlns:a14="http://schemas.microsoft.com/office/drawing/2010/main" xmlns="" w="9525">
+                <a14:hiddenLine xmlns="" xmlns:a14="http://schemas.microsoft.com/office/drawing/2010/main" w="9525">
                   <a:solidFill>
                     <a:srgbClr val="000000"/>
                   </a:solidFill>
@@ -1013,7 +1013,7 @@
             </a:ln>
             <a:extLst>
               <a:ext uri="{91240B29-F687-4f45-9708-019B960494DF}">
-                <a14:hiddenLine xmlns:a14="http://schemas.microsoft.com/office/drawing/2010/main" xmlns="" w="9525">
+                <a14:hiddenLine xmlns="" xmlns:a14="http://schemas.microsoft.com/office/drawing/2010/main" w="9525">
                   <a:solidFill>
                     <a:srgbClr val="000000"/>
                   </a:solidFill>
@@ -1103,7 +1103,7 @@
             </a:ln>
             <a:extLst>
               <a:ext uri="{91240B29-F687-4f45-9708-019B960494DF}">
-                <a14:hiddenLine xmlns:a14="http://schemas.microsoft.com/office/drawing/2010/main" xmlns="" w="9525">
+                <a14:hiddenLine xmlns="" xmlns:a14="http://schemas.microsoft.com/office/drawing/2010/main" w="9525">
                   <a:solidFill>
                     <a:srgbClr val="000000"/>
                   </a:solidFill>
@@ -1165,7 +1165,7 @@
             </a:ln>
             <a:extLst>
               <a:ext uri="{91240B29-F687-4f45-9708-019B960494DF}">
-                <a14:hiddenLine xmlns:a14="http://schemas.microsoft.com/office/drawing/2010/main" xmlns="" w="9525">
+                <a14:hiddenLine xmlns="" xmlns:a14="http://schemas.microsoft.com/office/drawing/2010/main" w="9525">
                   <a:solidFill>
                     <a:srgbClr val="000000"/>
                   </a:solidFill>
@@ -1227,7 +1227,7 @@
             </a:ln>
             <a:extLst>
               <a:ext uri="{91240B29-F687-4f45-9708-019B960494DF}">
-                <a14:hiddenLine xmlns:a14="http://schemas.microsoft.com/office/drawing/2010/main" xmlns="" w="9525">
+                <a14:hiddenLine xmlns="" xmlns:a14="http://schemas.microsoft.com/office/drawing/2010/main" w="9525">
                   <a:solidFill>
                     <a:srgbClr val="000000"/>
                   </a:solidFill>
@@ -1317,7 +1317,7 @@
             </a:ln>
             <a:extLst>
               <a:ext uri="{91240B29-F687-4f45-9708-019B960494DF}">
-                <a14:hiddenLine xmlns:a14="http://schemas.microsoft.com/office/drawing/2010/main" xmlns="" w="9525">
+                <a14:hiddenLine xmlns="" xmlns:a14="http://schemas.microsoft.com/office/drawing/2010/main" w="9525">
                   <a:solidFill>
                     <a:srgbClr val="000000"/>
                   </a:solidFill>
@@ -1407,7 +1407,7 @@
             </a:ln>
             <a:extLst>
               <a:ext uri="{91240B29-F687-4f45-9708-019B960494DF}">
-                <a14:hiddenLine xmlns:a14="http://schemas.microsoft.com/office/drawing/2010/main" xmlns="" w="9525">
+                <a14:hiddenLine xmlns="" xmlns:a14="http://schemas.microsoft.com/office/drawing/2010/main" w="9525">
                   <a:solidFill>
                     <a:srgbClr val="000000"/>
                   </a:solidFill>
@@ -1469,7 +1469,7 @@
             </a:ln>
             <a:extLst>
               <a:ext uri="{91240B29-F687-4f45-9708-019B960494DF}">
-                <a14:hiddenLine xmlns:a14="http://schemas.microsoft.com/office/drawing/2010/main" xmlns="" w="9525">
+                <a14:hiddenLine xmlns="" xmlns:a14="http://schemas.microsoft.com/office/drawing/2010/main" w="9525">
                   <a:solidFill>
                     <a:srgbClr val="000000"/>
                   </a:solidFill>
@@ -1579,7 +1579,7 @@
             </a:ln>
             <a:extLst>
               <a:ext uri="{91240B29-F687-4f45-9708-019B960494DF}">
-                <a14:hiddenLine xmlns:a14="http://schemas.microsoft.com/office/drawing/2010/main" xmlns="" w="9525">
+                <a14:hiddenLine xmlns="" xmlns:a14="http://schemas.microsoft.com/office/drawing/2010/main" w="9525">
                   <a:solidFill>
                     <a:srgbClr val="000000"/>
                   </a:solidFill>
@@ -1641,7 +1641,7 @@
             </a:ln>
             <a:extLst>
               <a:ext uri="{91240B29-F687-4f45-9708-019B960494DF}">
-                <a14:hiddenLine xmlns:a14="http://schemas.microsoft.com/office/drawing/2010/main" xmlns="" w="9525">
+                <a14:hiddenLine xmlns="" xmlns:a14="http://schemas.microsoft.com/office/drawing/2010/main" w="9525">
                   <a:solidFill>
                     <a:srgbClr val="000000"/>
                   </a:solidFill>
@@ -1731,7 +1731,7 @@
             </a:ln>
             <a:extLst>
               <a:ext uri="{91240B29-F687-4f45-9708-019B960494DF}">
-                <a14:hiddenLine xmlns:a14="http://schemas.microsoft.com/office/drawing/2010/main" xmlns="" w="9525">
+                <a14:hiddenLine xmlns="" xmlns:a14="http://schemas.microsoft.com/office/drawing/2010/main" w="9525">
                   <a:solidFill>
                     <a:srgbClr val="000000"/>
                   </a:solidFill>
@@ -1821,7 +1821,7 @@
             </a:ln>
             <a:extLst>
               <a:ext uri="{91240B29-F687-4f45-9708-019B960494DF}">
-                <a14:hiddenLine xmlns:a14="http://schemas.microsoft.com/office/drawing/2010/main" xmlns="" w="9525">
+                <a14:hiddenLine xmlns="" xmlns:a14="http://schemas.microsoft.com/office/drawing/2010/main" w="9525">
                   <a:solidFill>
                     <a:srgbClr val="000000"/>
                   </a:solidFill>
@@ -1883,7 +1883,7 @@
             </a:ln>
             <a:extLst>
               <a:ext uri="{91240B29-F687-4f45-9708-019B960494DF}">
-                <a14:hiddenLine xmlns:a14="http://schemas.microsoft.com/office/drawing/2010/main" xmlns="" w="9525">
+                <a14:hiddenLine xmlns="" xmlns:a14="http://schemas.microsoft.com/office/drawing/2010/main" w="9525">
                   <a:solidFill>
                     <a:srgbClr val="000000"/>
                   </a:solidFill>
@@ -1973,7 +1973,7 @@
             </a:ln>
             <a:extLst>
               <a:ext uri="{91240B29-F687-4f45-9708-019B960494DF}">
-                <a14:hiddenLine xmlns:a14="http://schemas.microsoft.com/office/drawing/2010/main" xmlns="" w="9525">
+                <a14:hiddenLine xmlns="" xmlns:a14="http://schemas.microsoft.com/office/drawing/2010/main" w="9525">
                   <a:solidFill>
                     <a:srgbClr val="000000"/>
                   </a:solidFill>
@@ -2063,7 +2063,7 @@
             </a:ln>
             <a:extLst>
               <a:ext uri="{91240B29-F687-4f45-9708-019B960494DF}">
-                <a14:hiddenLine xmlns:a14="http://schemas.microsoft.com/office/drawing/2010/main" xmlns="" w="9525">
+                <a14:hiddenLine xmlns="" xmlns:a14="http://schemas.microsoft.com/office/drawing/2010/main" w="9525">
                   <a:solidFill>
                     <a:srgbClr val="000000"/>
                   </a:solidFill>
@@ -2119,7 +2119,7 @@
             </a:ln>
             <a:extLst>
               <a:ext uri="{91240B29-F687-4f45-9708-019B960494DF}">
-                <a14:hiddenLine xmlns:a14="http://schemas.microsoft.com/office/drawing/2010/main" xmlns="" w="9525">
+                <a14:hiddenLine xmlns="" xmlns:a14="http://schemas.microsoft.com/office/drawing/2010/main" w="9525">
                   <a:solidFill>
                     <a:srgbClr val="000000"/>
                   </a:solidFill>
@@ -2209,7 +2209,7 @@
             </a:ln>
             <a:extLst>
               <a:ext uri="{91240B29-F687-4f45-9708-019B960494DF}">
-                <a14:hiddenLine xmlns:a14="http://schemas.microsoft.com/office/drawing/2010/main" xmlns="" w="9525">
+                <a14:hiddenLine xmlns="" xmlns:a14="http://schemas.microsoft.com/office/drawing/2010/main" w="9525">
                   <a:solidFill>
                     <a:srgbClr val="000000"/>
                   </a:solidFill>
@@ -2265,7 +2265,7 @@
             </a:ln>
             <a:extLst>
               <a:ext uri="{91240B29-F687-4f45-9708-019B960494DF}">
-                <a14:hiddenLine xmlns:a14="http://schemas.microsoft.com/office/drawing/2010/main" xmlns="" w="9525">
+                <a14:hiddenLine xmlns="" xmlns:a14="http://schemas.microsoft.com/office/drawing/2010/main" w="9525">
                   <a:solidFill>
                     <a:srgbClr val="000000"/>
                   </a:solidFill>
@@ -2355,7 +2355,7 @@
             </a:ln>
             <a:extLst>
               <a:ext uri="{91240B29-F687-4f45-9708-019B960494DF}">
-                <a14:hiddenLine xmlns:a14="http://schemas.microsoft.com/office/drawing/2010/main" xmlns="" w="9525">
+                <a14:hiddenLine xmlns="" xmlns:a14="http://schemas.microsoft.com/office/drawing/2010/main" w="9525">
                   <a:solidFill>
                     <a:srgbClr val="000000"/>
                   </a:solidFill>
@@ -2423,7 +2423,7 @@
             </a:ln>
             <a:extLst>
               <a:ext uri="{91240B29-F687-4f45-9708-019B960494DF}">
-                <a14:hiddenLine xmlns:a14="http://schemas.microsoft.com/office/drawing/2010/main" xmlns="" w="9525">
+                <a14:hiddenLine xmlns="" xmlns:a14="http://schemas.microsoft.com/office/drawing/2010/main" w="9525">
                   <a:solidFill>
                     <a:srgbClr val="000000"/>
                   </a:solidFill>
@@ -2513,7 +2513,7 @@
             </a:ln>
             <a:extLst>
               <a:ext uri="{91240B29-F687-4f45-9708-019B960494DF}">
-                <a14:hiddenLine xmlns:a14="http://schemas.microsoft.com/office/drawing/2010/main" xmlns="" w="9525">
+                <a14:hiddenLine xmlns="" xmlns:a14="http://schemas.microsoft.com/office/drawing/2010/main" w="9525">
                   <a:solidFill>
                     <a:srgbClr val="000000"/>
                   </a:solidFill>
@@ -2581,7 +2581,7 @@
             </a:ln>
             <a:extLst>
               <a:ext uri="{91240B29-F687-4f45-9708-019B960494DF}">
-                <a14:hiddenLine xmlns:a14="http://schemas.microsoft.com/office/drawing/2010/main" xmlns="" w="9525">
+                <a14:hiddenLine xmlns="" xmlns:a14="http://schemas.microsoft.com/office/drawing/2010/main" w="9525">
                   <a:solidFill>
                     <a:srgbClr val="000000"/>
                   </a:solidFill>
@@ -2671,7 +2671,7 @@
             </a:ln>
             <a:extLst>
               <a:ext uri="{91240B29-F687-4f45-9708-019B960494DF}">
-                <a14:hiddenLine xmlns:a14="http://schemas.microsoft.com/office/drawing/2010/main" xmlns="" w="9525">
+                <a14:hiddenLine xmlns="" xmlns:a14="http://schemas.microsoft.com/office/drawing/2010/main" w="9525">
                   <a:solidFill>
                     <a:srgbClr val="000000"/>
                   </a:solidFill>
@@ -2705,7 +2705,7 @@
             </a:ln>
             <a:extLst>
               <a:ext uri="{91240B29-F687-4f45-9708-019B960494DF}">
-                <a14:hiddenLine xmlns:a14="http://schemas.microsoft.com/office/drawing/2010/main" xmlns="" w="9525">
+                <a14:hiddenLine xmlns="" xmlns:a14="http://schemas.microsoft.com/office/drawing/2010/main" w="9525">
                   <a:solidFill>
                     <a:srgbClr val="000000"/>
                   </a:solidFill>
@@ -2795,7 +2795,7 @@
             </a:ln>
             <a:extLst>
               <a:ext uri="{91240B29-F687-4f45-9708-019B960494DF}">
-                <a14:hiddenLine xmlns:a14="http://schemas.microsoft.com/office/drawing/2010/main" xmlns="" w="9525">
+                <a14:hiddenLine xmlns="" xmlns:a14="http://schemas.microsoft.com/office/drawing/2010/main" w="9525">
                   <a:solidFill>
                     <a:srgbClr val="000000"/>
                   </a:solidFill>
@@ -2857,7 +2857,7 @@
             </a:ln>
             <a:extLst>
               <a:ext uri="{91240B29-F687-4f45-9708-019B960494DF}">
-                <a14:hiddenLine xmlns:a14="http://schemas.microsoft.com/office/drawing/2010/main" xmlns="" w="9525">
+                <a14:hiddenLine xmlns="" xmlns:a14="http://schemas.microsoft.com/office/drawing/2010/main" w="9525">
                   <a:solidFill>
                     <a:srgbClr val="000000"/>
                   </a:solidFill>
@@ -2919,7 +2919,7 @@
             </a:ln>
             <a:extLst>
               <a:ext uri="{91240B29-F687-4f45-9708-019B960494DF}">
-                <a14:hiddenLine xmlns:a14="http://schemas.microsoft.com/office/drawing/2010/main" xmlns="" w="9525">
+                <a14:hiddenLine xmlns="" xmlns:a14="http://schemas.microsoft.com/office/drawing/2010/main" w="9525">
                   <a:solidFill>
                     <a:srgbClr val="000000"/>
                   </a:solidFill>
@@ -3009,7 +3009,7 @@
             </a:ln>
             <a:extLst>
               <a:ext uri="{91240B29-F687-4f45-9708-019B960494DF}">
-                <a14:hiddenLine xmlns:a14="http://schemas.microsoft.com/office/drawing/2010/main" xmlns="" w="9525">
+                <a14:hiddenLine xmlns="" xmlns:a14="http://schemas.microsoft.com/office/drawing/2010/main" w="9525">
                   <a:solidFill>
                     <a:srgbClr val="000000"/>
                   </a:solidFill>
@@ -3077,7 +3077,7 @@
             </a:ln>
             <a:extLst>
               <a:ext uri="{91240B29-F687-4f45-9708-019B960494DF}">
-                <a14:hiddenLine xmlns:a14="http://schemas.microsoft.com/office/drawing/2010/main" xmlns="" w="9525">
+                <a14:hiddenLine xmlns="" xmlns:a14="http://schemas.microsoft.com/office/drawing/2010/main" w="9525">
                   <a:solidFill>
                     <a:srgbClr val="000000"/>
                   </a:solidFill>
@@ -3139,7 +3139,7 @@
             </a:ln>
             <a:extLst>
               <a:ext uri="{91240B29-F687-4f45-9708-019B960494DF}">
-                <a14:hiddenLine xmlns:a14="http://schemas.microsoft.com/office/drawing/2010/main" xmlns="" w="9525">
+                <a14:hiddenLine xmlns="" xmlns:a14="http://schemas.microsoft.com/office/drawing/2010/main" w="9525">
                   <a:solidFill>
                     <a:srgbClr val="000000"/>
                   </a:solidFill>
@@ -3229,7 +3229,7 @@
             </a:ln>
             <a:extLst>
               <a:ext uri="{91240B29-F687-4f45-9708-019B960494DF}">
-                <a14:hiddenLine xmlns:a14="http://schemas.microsoft.com/office/drawing/2010/main" xmlns="" w="9525">
+                <a14:hiddenLine xmlns="" xmlns:a14="http://schemas.microsoft.com/office/drawing/2010/main" w="9525">
                   <a:solidFill>
                     <a:srgbClr val="000000"/>
                   </a:solidFill>
@@ -3291,7 +3291,7 @@
             </a:ln>
             <a:extLst>
               <a:ext uri="{91240B29-F687-4f45-9708-019B960494DF}">
-                <a14:hiddenLine xmlns:a14="http://schemas.microsoft.com/office/drawing/2010/main" xmlns="" w="9525">
+                <a14:hiddenLine xmlns="" xmlns:a14="http://schemas.microsoft.com/office/drawing/2010/main" w="9525">
                   <a:solidFill>
                     <a:srgbClr val="000000"/>
                   </a:solidFill>
@@ -3381,7 +3381,7 @@
             </a:ln>
             <a:extLst>
               <a:ext uri="{91240B29-F687-4f45-9708-019B960494DF}">
-                <a14:hiddenLine xmlns:a14="http://schemas.microsoft.com/office/drawing/2010/main" xmlns="" w="9525">
+                <a14:hiddenLine xmlns="" xmlns:a14="http://schemas.microsoft.com/office/drawing/2010/main" w="9525">
                   <a:solidFill>
                     <a:srgbClr val="000000"/>
                   </a:solidFill>
@@ -3443,7 +3443,7 @@
             </a:ln>
             <a:extLst>
               <a:ext uri="{91240B29-F687-4f45-9708-019B960494DF}">
-                <a14:hiddenLine xmlns:a14="http://schemas.microsoft.com/office/drawing/2010/main" xmlns="" w="9525">
+                <a14:hiddenLine xmlns="" xmlns:a14="http://schemas.microsoft.com/office/drawing/2010/main" w="9525">
                   <a:solidFill>
                     <a:srgbClr val="000000"/>
                   </a:solidFill>
@@ -3533,7 +3533,7 @@
             </a:ln>
             <a:extLst>
               <a:ext uri="{91240B29-F687-4f45-9708-019B960494DF}">
-                <a14:hiddenLine xmlns:a14="http://schemas.microsoft.com/office/drawing/2010/main" xmlns="" w="9525">
+                <a14:hiddenLine xmlns="" xmlns:a14="http://schemas.microsoft.com/office/drawing/2010/main" w="9525">
                   <a:solidFill>
                     <a:srgbClr val="000000"/>
                   </a:solidFill>
@@ -3567,7 +3567,7 @@
             </a:ln>
             <a:extLst>
               <a:ext uri="{91240B29-F687-4f45-9708-019B960494DF}">
-                <a14:hiddenLine xmlns:a14="http://schemas.microsoft.com/office/drawing/2010/main" xmlns="" w="9525">
+                <a14:hiddenLine xmlns="" xmlns:a14="http://schemas.microsoft.com/office/drawing/2010/main" w="9525">
                   <a:solidFill>
                     <a:srgbClr val="000000"/>
                   </a:solidFill>
@@ -3632,7 +3632,7 @@
             </a:ln>
             <a:extLst>
               <a:ext uri="{91240B29-F687-4f45-9708-019B960494DF}">
-                <a14:hiddenLine xmlns:a14="http://schemas.microsoft.com/office/drawing/2010/main" xmlns="" w="9525">
+                <a14:hiddenLine xmlns="" xmlns:a14="http://schemas.microsoft.com/office/drawing/2010/main" w="9525">
                   <a:solidFill>
                     <a:srgbClr val="000000"/>
                   </a:solidFill>
@@ -3722,7 +3722,7 @@
             </a:ln>
             <a:extLst>
               <a:ext uri="{91240B29-F687-4f45-9708-019B960494DF}">
-                <a14:hiddenLine xmlns:a14="http://schemas.microsoft.com/office/drawing/2010/main" xmlns="" w="9525">
+                <a14:hiddenLine xmlns="" xmlns:a14="http://schemas.microsoft.com/office/drawing/2010/main" w="9525">
                   <a:solidFill>
                     <a:srgbClr val="000000"/>
                   </a:solidFill>
@@ -3784,7 +3784,7 @@
             </a:ln>
             <a:extLst>
               <a:ext uri="{91240B29-F687-4f45-9708-019B960494DF}">
-                <a14:hiddenLine xmlns:a14="http://schemas.microsoft.com/office/drawing/2010/main" xmlns="" w="9525">
+                <a14:hiddenLine xmlns="" xmlns:a14="http://schemas.microsoft.com/office/drawing/2010/main" w="9525">
                   <a:solidFill>
                     <a:srgbClr val="000000"/>
                   </a:solidFill>
@@ -3874,7 +3874,7 @@
             </a:ln>
             <a:extLst>
               <a:ext uri="{91240B29-F687-4f45-9708-019B960494DF}">
-                <a14:hiddenLine xmlns:a14="http://schemas.microsoft.com/office/drawing/2010/main" xmlns="" w="9525">
+                <a14:hiddenLine xmlns="" xmlns:a14="http://schemas.microsoft.com/office/drawing/2010/main" w="9525">
                   <a:solidFill>
                     <a:srgbClr val="000000"/>
                   </a:solidFill>
@@ -3964,7 +3964,7 @@
             </a:ln>
             <a:extLst>
               <a:ext uri="{91240B29-F687-4f45-9708-019B960494DF}">
-                <a14:hiddenLine xmlns:a14="http://schemas.microsoft.com/office/drawing/2010/main" xmlns="" w="9525">
+                <a14:hiddenLine xmlns="" xmlns:a14="http://schemas.microsoft.com/office/drawing/2010/main" w="9525">
                   <a:solidFill>
                     <a:srgbClr val="000000"/>
                   </a:solidFill>
@@ -4029,7 +4029,7 @@
             </a:ln>
             <a:extLst>
               <a:ext uri="{91240B29-F687-4f45-9708-019B960494DF}">
-                <a14:hiddenLine xmlns:a14="http://schemas.microsoft.com/office/drawing/2010/main" xmlns="" w="9525">
+                <a14:hiddenLine xmlns="" xmlns:a14="http://schemas.microsoft.com/office/drawing/2010/main" w="9525">
                   <a:solidFill>
                     <a:srgbClr val="000000"/>
                   </a:solidFill>
@@ -4091,7 +4091,7 @@
             </a:ln>
             <a:extLst>
               <a:ext uri="{91240B29-F687-4f45-9708-019B960494DF}">
-                <a14:hiddenLine xmlns:a14="http://schemas.microsoft.com/office/drawing/2010/main" xmlns="" w="9525">
+                <a14:hiddenLine xmlns="" xmlns:a14="http://schemas.microsoft.com/office/drawing/2010/main" w="9525">
                   <a:solidFill>
                     <a:srgbClr val="000000"/>
                   </a:solidFill>
@@ -4181,7 +4181,7 @@
             </a:ln>
             <a:extLst>
               <a:ext uri="{91240B29-F687-4f45-9708-019B960494DF}">
-                <a14:hiddenLine xmlns:a14="http://schemas.microsoft.com/office/drawing/2010/main" xmlns="" w="9525">
+                <a14:hiddenLine xmlns="" xmlns:a14="http://schemas.microsoft.com/office/drawing/2010/main" w="9525">
                   <a:solidFill>
                     <a:srgbClr val="000000"/>
                   </a:solidFill>
@@ -4271,7 +4271,7 @@
             </a:ln>
             <a:extLst>
               <a:ext uri="{91240B29-F687-4f45-9708-019B960494DF}">
-                <a14:hiddenLine xmlns:a14="http://schemas.microsoft.com/office/drawing/2010/main" xmlns="" w="9525">
+                <a14:hiddenLine xmlns="" xmlns:a14="http://schemas.microsoft.com/office/drawing/2010/main" w="9525">
                   <a:solidFill>
                     <a:srgbClr val="000000"/>
                   </a:solidFill>
@@ -4333,7 +4333,7 @@
             </a:ln>
             <a:extLst>
               <a:ext uri="{91240B29-F687-4f45-9708-019B960494DF}">
-                <a14:hiddenLine xmlns:a14="http://schemas.microsoft.com/office/drawing/2010/main" xmlns="" w="9525">
+                <a14:hiddenLine xmlns="" xmlns:a14="http://schemas.microsoft.com/office/drawing/2010/main" w="9525">
                   <a:solidFill>
                     <a:srgbClr val="000000"/>
                   </a:solidFill>
@@ -4453,7 +4453,7 @@
             </a:ln>
             <a:extLst>
               <a:ext uri="{91240B29-F687-4f45-9708-019B960494DF}">
-                <a14:hiddenLine xmlns:a14="http://schemas.microsoft.com/office/drawing/2010/main" xmlns="" w="9525">
+                <a14:hiddenLine xmlns="" xmlns:a14="http://schemas.microsoft.com/office/drawing/2010/main" w="9525">
                   <a:solidFill>
                     <a:srgbClr val="000000"/>
                   </a:solidFill>
@@ -4521,7 +4521,7 @@
             </a:ln>
             <a:extLst>
               <a:ext uri="{91240B29-F687-4f45-9708-019B960494DF}">
-                <a14:hiddenLine xmlns:a14="http://schemas.microsoft.com/office/drawing/2010/main" xmlns="" w="9525">
+                <a14:hiddenLine xmlns="" xmlns:a14="http://schemas.microsoft.com/office/drawing/2010/main" w="9525">
                   <a:solidFill>
                     <a:srgbClr val="000000"/>
                   </a:solidFill>
@@ -4611,7 +4611,7 @@
             </a:ln>
             <a:extLst>
               <a:ext uri="{91240B29-F687-4f45-9708-019B960494DF}">
-                <a14:hiddenLine xmlns:a14="http://schemas.microsoft.com/office/drawing/2010/main" xmlns="" w="9525">
+                <a14:hiddenLine xmlns="" xmlns:a14="http://schemas.microsoft.com/office/drawing/2010/main" w="9525">
                   <a:solidFill>
                     <a:srgbClr val="000000"/>
                   </a:solidFill>
@@ -9340,7 +9340,7 @@
           <a:noFill/>
           <a:extLst>
             <a:ext uri="{909E8E84-426E-40dd-AFC4-6F175D3DCCD1}">
-              <a14:hiddenFill xmlns:a14="http://schemas.microsoft.com/office/drawing/2010/main" xmlns="">
+              <a14:hiddenFill xmlns="" xmlns:a14="http://schemas.microsoft.com/office/drawing/2010/main">
                 <a:solidFill>
                   <a:srgbClr val="FFFFFF"/>
                 </a:solidFill>
@@ -9414,7 +9414,7 @@
               </a:ln>
               <a:extLst>
                 <a:ext uri="{91240B29-F687-4f45-9708-019B960494DF}">
-                  <a14:hiddenLine xmlns:a14="http://schemas.microsoft.com/office/drawing/2010/main" xmlns="" w="9525">
+                  <a14:hiddenLine xmlns="" xmlns:a14="http://schemas.microsoft.com/office/drawing/2010/main" w="9525">
                     <a:solidFill>
                       <a:srgbClr val="000000"/>
                     </a:solidFill>
@@ -9504,7 +9504,7 @@
               </a:ln>
               <a:extLst>
                 <a:ext uri="{91240B29-F687-4f45-9708-019B960494DF}">
-                  <a14:hiddenLine xmlns:a14="http://schemas.microsoft.com/office/drawing/2010/main" xmlns="" w="9525">
+                  <a14:hiddenLine xmlns="" xmlns:a14="http://schemas.microsoft.com/office/drawing/2010/main" w="9525">
                     <a:solidFill>
                       <a:srgbClr val="000000"/>
                     </a:solidFill>
@@ -9594,7 +9594,7 @@
               </a:ln>
               <a:extLst>
                 <a:ext uri="{91240B29-F687-4f45-9708-019B960494DF}">
-                  <a14:hiddenLine xmlns:a14="http://schemas.microsoft.com/office/drawing/2010/main" xmlns="" w="9525">
+                  <a14:hiddenLine xmlns="" xmlns:a14="http://schemas.microsoft.com/office/drawing/2010/main" w="9525">
                     <a:solidFill>
                       <a:srgbClr val="000000"/>
                     </a:solidFill>
@@ -9656,7 +9656,7 @@
               </a:ln>
               <a:extLst>
                 <a:ext uri="{91240B29-F687-4f45-9708-019B960494DF}">
-                  <a14:hiddenLine xmlns:a14="http://schemas.microsoft.com/office/drawing/2010/main" xmlns="" w="9525">
+                  <a14:hiddenLine xmlns="" xmlns:a14="http://schemas.microsoft.com/office/drawing/2010/main" w="9525">
                     <a:solidFill>
                       <a:srgbClr val="000000"/>
                     </a:solidFill>
@@ -9746,7 +9746,7 @@
               </a:ln>
               <a:extLst>
                 <a:ext uri="{91240B29-F687-4f45-9708-019B960494DF}">
-                  <a14:hiddenLine xmlns:a14="http://schemas.microsoft.com/office/drawing/2010/main" xmlns="" w="9525">
+                  <a14:hiddenLine xmlns="" xmlns:a14="http://schemas.microsoft.com/office/drawing/2010/main" w="9525">
                     <a:solidFill>
                       <a:srgbClr val="000000"/>
                     </a:solidFill>
@@ -9808,7 +9808,7 @@
               </a:ln>
               <a:extLst>
                 <a:ext uri="{91240B29-F687-4f45-9708-019B960494DF}">
-                  <a14:hiddenLine xmlns:a14="http://schemas.microsoft.com/office/drawing/2010/main" xmlns="" w="9525">
+                  <a14:hiddenLine xmlns="" xmlns:a14="http://schemas.microsoft.com/office/drawing/2010/main" w="9525">
                     <a:solidFill>
                       <a:srgbClr val="000000"/>
                     </a:solidFill>
@@ -9870,7 +9870,7 @@
               </a:ln>
               <a:extLst>
                 <a:ext uri="{91240B29-F687-4f45-9708-019B960494DF}">
-                  <a14:hiddenLine xmlns:a14="http://schemas.microsoft.com/office/drawing/2010/main" xmlns="" w="9525">
+                  <a14:hiddenLine xmlns="" xmlns:a14="http://schemas.microsoft.com/office/drawing/2010/main" w="9525">
                     <a:solidFill>
                       <a:srgbClr val="000000"/>
                     </a:solidFill>
@@ -9960,7 +9960,7 @@
               </a:ln>
               <a:extLst>
                 <a:ext uri="{91240B29-F687-4f45-9708-019B960494DF}">
-                  <a14:hiddenLine xmlns:a14="http://schemas.microsoft.com/office/drawing/2010/main" xmlns="" w="9525">
+                  <a14:hiddenLine xmlns="" xmlns:a14="http://schemas.microsoft.com/office/drawing/2010/main" w="9525">
                     <a:solidFill>
                       <a:srgbClr val="000000"/>
                     </a:solidFill>
@@ -10050,7 +10050,7 @@
               </a:ln>
               <a:extLst>
                 <a:ext uri="{91240B29-F687-4f45-9708-019B960494DF}">
-                  <a14:hiddenLine xmlns:a14="http://schemas.microsoft.com/office/drawing/2010/main" xmlns="" w="9525">
+                  <a14:hiddenLine xmlns="" xmlns:a14="http://schemas.microsoft.com/office/drawing/2010/main" w="9525">
                     <a:solidFill>
                       <a:srgbClr val="000000"/>
                     </a:solidFill>
@@ -10112,7 +10112,7 @@
               </a:ln>
               <a:extLst>
                 <a:ext uri="{91240B29-F687-4f45-9708-019B960494DF}">
-                  <a14:hiddenLine xmlns:a14="http://schemas.microsoft.com/office/drawing/2010/main" xmlns="" w="9525">
+                  <a14:hiddenLine xmlns="" xmlns:a14="http://schemas.microsoft.com/office/drawing/2010/main" w="9525">
                     <a:solidFill>
                       <a:srgbClr val="000000"/>
                     </a:solidFill>
@@ -10222,7 +10222,7 @@
               </a:ln>
               <a:extLst>
                 <a:ext uri="{91240B29-F687-4f45-9708-019B960494DF}">
-                  <a14:hiddenLine xmlns:a14="http://schemas.microsoft.com/office/drawing/2010/main" xmlns="" w="9525">
+                  <a14:hiddenLine xmlns="" xmlns:a14="http://schemas.microsoft.com/office/drawing/2010/main" w="9525">
                     <a:solidFill>
                       <a:srgbClr val="000000"/>
                     </a:solidFill>
@@ -10306,7 +10306,7 @@
               </a:ln>
               <a:extLst>
                 <a:ext uri="{91240B29-F687-4f45-9708-019B960494DF}">
-                  <a14:hiddenLine xmlns:a14="http://schemas.microsoft.com/office/drawing/2010/main" xmlns="" w="9525">
+                  <a14:hiddenLine xmlns="" xmlns:a14="http://schemas.microsoft.com/office/drawing/2010/main" w="9525">
                     <a:solidFill>
                       <a:srgbClr val="000000"/>
                     </a:solidFill>
@@ -10368,7 +10368,7 @@
               </a:ln>
               <a:extLst>
                 <a:ext uri="{91240B29-F687-4f45-9708-019B960494DF}">
-                  <a14:hiddenLine xmlns:a14="http://schemas.microsoft.com/office/drawing/2010/main" xmlns="" w="9525">
+                  <a14:hiddenLine xmlns="" xmlns:a14="http://schemas.microsoft.com/office/drawing/2010/main" w="9525">
                     <a:solidFill>
                       <a:srgbClr val="000000"/>
                     </a:solidFill>
@@ -10430,7 +10430,7 @@
               </a:ln>
               <a:extLst>
                 <a:ext uri="{91240B29-F687-4f45-9708-019B960494DF}">
-                  <a14:hiddenLine xmlns:a14="http://schemas.microsoft.com/office/drawing/2010/main" xmlns="" w="9525">
+                  <a14:hiddenLine xmlns="" xmlns:a14="http://schemas.microsoft.com/office/drawing/2010/main" w="9525">
                     <a:solidFill>
                       <a:srgbClr val="000000"/>
                     </a:solidFill>
@@ -10520,7 +10520,7 @@
               </a:ln>
               <a:extLst>
                 <a:ext uri="{91240B29-F687-4f45-9708-019B960494DF}">
-                  <a14:hiddenLine xmlns:a14="http://schemas.microsoft.com/office/drawing/2010/main" xmlns="" w="9525">
+                  <a14:hiddenLine xmlns="" xmlns:a14="http://schemas.microsoft.com/office/drawing/2010/main" w="9525">
                     <a:solidFill>
                       <a:srgbClr val="000000"/>
                     </a:solidFill>
@@ -10554,7 +10554,7 @@
               </a:ln>
               <a:extLst>
                 <a:ext uri="{91240B29-F687-4f45-9708-019B960494DF}">
-                  <a14:hiddenLine xmlns:a14="http://schemas.microsoft.com/office/drawing/2010/main" xmlns="" w="9525">
+                  <a14:hiddenLine xmlns="" xmlns:a14="http://schemas.microsoft.com/office/drawing/2010/main" w="9525">
                     <a:solidFill>
                       <a:srgbClr val="000000"/>
                     </a:solidFill>
@@ -10619,7 +10619,7 @@
               </a:ln>
               <a:extLst>
                 <a:ext uri="{91240B29-F687-4f45-9708-019B960494DF}">
-                  <a14:hiddenLine xmlns:a14="http://schemas.microsoft.com/office/drawing/2010/main" xmlns="" w="9525">
+                  <a14:hiddenLine xmlns="" xmlns:a14="http://schemas.microsoft.com/office/drawing/2010/main" w="9525">
                     <a:solidFill>
                       <a:srgbClr val="000000"/>
                     </a:solidFill>
@@ -10709,7 +10709,7 @@
               </a:ln>
               <a:extLst>
                 <a:ext uri="{91240B29-F687-4f45-9708-019B960494DF}">
-                  <a14:hiddenLine xmlns:a14="http://schemas.microsoft.com/office/drawing/2010/main" xmlns="" w="9525">
+                  <a14:hiddenLine xmlns="" xmlns:a14="http://schemas.microsoft.com/office/drawing/2010/main" w="9525">
                     <a:solidFill>
                       <a:srgbClr val="000000"/>
                     </a:solidFill>
@@ -10771,7 +10771,7 @@
               </a:ln>
               <a:extLst>
                 <a:ext uri="{91240B29-F687-4f45-9708-019B960494DF}">
-                  <a14:hiddenLine xmlns:a14="http://schemas.microsoft.com/office/drawing/2010/main" xmlns="" w="9525">
+                  <a14:hiddenLine xmlns="" xmlns:a14="http://schemas.microsoft.com/office/drawing/2010/main" w="9525">
                     <a:solidFill>
                       <a:srgbClr val="000000"/>
                     </a:solidFill>
@@ -10861,7 +10861,7 @@
               </a:ln>
               <a:extLst>
                 <a:ext uri="{91240B29-F687-4f45-9708-019B960494DF}">
-                  <a14:hiddenLine xmlns:a14="http://schemas.microsoft.com/office/drawing/2010/main" xmlns="" w="9525">
+                  <a14:hiddenLine xmlns="" xmlns:a14="http://schemas.microsoft.com/office/drawing/2010/main" w="9525">
                     <a:solidFill>
                       <a:srgbClr val="000000"/>
                     </a:solidFill>
@@ -10926,7 +10926,7 @@
               </a:ln>
               <a:extLst>
                 <a:ext uri="{91240B29-F687-4f45-9708-019B960494DF}">
-                  <a14:hiddenLine xmlns:a14="http://schemas.microsoft.com/office/drawing/2010/main" xmlns="" w="9525">
+                  <a14:hiddenLine xmlns="" xmlns:a14="http://schemas.microsoft.com/office/drawing/2010/main" w="9525">
                     <a:solidFill>
                       <a:srgbClr val="000000"/>
                     </a:solidFill>
@@ -10988,7 +10988,7 @@
               </a:ln>
               <a:extLst>
                 <a:ext uri="{91240B29-F687-4f45-9708-019B960494DF}">
-                  <a14:hiddenLine xmlns:a14="http://schemas.microsoft.com/office/drawing/2010/main" xmlns="" w="9525">
+                  <a14:hiddenLine xmlns="" xmlns:a14="http://schemas.microsoft.com/office/drawing/2010/main" w="9525">
                     <a:solidFill>
                       <a:srgbClr val="000000"/>
                     </a:solidFill>
@@ -11078,7 +11078,7 @@
               </a:ln>
               <a:extLst>
                 <a:ext uri="{91240B29-F687-4f45-9708-019B960494DF}">
-                  <a14:hiddenLine xmlns:a14="http://schemas.microsoft.com/office/drawing/2010/main" xmlns="" w="9525">
+                  <a14:hiddenLine xmlns="" xmlns:a14="http://schemas.microsoft.com/office/drawing/2010/main" w="9525">
                     <a:solidFill>
                       <a:srgbClr val="000000"/>
                     </a:solidFill>
@@ -11168,7 +11168,7 @@
               </a:ln>
               <a:extLst>
                 <a:ext uri="{91240B29-F687-4f45-9708-019B960494DF}">
-                  <a14:hiddenLine xmlns:a14="http://schemas.microsoft.com/office/drawing/2010/main" xmlns="" w="9525">
+                  <a14:hiddenLine xmlns="" xmlns:a14="http://schemas.microsoft.com/office/drawing/2010/main" w="9525">
                     <a:solidFill>
                       <a:srgbClr val="000000"/>
                     </a:solidFill>
@@ -11233,7 +11233,7 @@
               </a:ln>
               <a:extLst>
                 <a:ext uri="{91240B29-F687-4f45-9708-019B960494DF}">
-                  <a14:hiddenLine xmlns:a14="http://schemas.microsoft.com/office/drawing/2010/main" xmlns="" w="9525">
+                  <a14:hiddenLine xmlns="" xmlns:a14="http://schemas.microsoft.com/office/drawing/2010/main" w="9525">
                     <a:solidFill>
                       <a:srgbClr val="000000"/>
                     </a:solidFill>
@@ -11353,7 +11353,7 @@
               </a:ln>
               <a:extLst>
                 <a:ext uri="{91240B29-F687-4f45-9708-019B960494DF}">
-                  <a14:hiddenLine xmlns:a14="http://schemas.microsoft.com/office/drawing/2010/main" xmlns="" w="9525">
+                  <a14:hiddenLine xmlns="" xmlns:a14="http://schemas.microsoft.com/office/drawing/2010/main" w="9525">
                     <a:solidFill>
                       <a:srgbClr val="000000"/>
                     </a:solidFill>
@@ -11434,7 +11434,7 @@
               </a:ln>
               <a:extLst>
                 <a:ext uri="{91240B29-F687-4f45-9708-019B960494DF}">
-                  <a14:hiddenLine xmlns:a14="http://schemas.microsoft.com/office/drawing/2010/main" xmlns="" w="9525">
+                  <a14:hiddenLine xmlns="" xmlns:a14="http://schemas.microsoft.com/office/drawing/2010/main" w="9525">
                     <a:solidFill>
                       <a:srgbClr val="000000"/>
                     </a:solidFill>
@@ -11549,7 +11549,7 @@
               </a:ln>
               <a:extLst>
                 <a:ext uri="{91240B29-F687-4f45-9708-019B960494DF}">
-                  <a14:hiddenLine xmlns:a14="http://schemas.microsoft.com/office/drawing/2010/main" xmlns="" w="9525">
+                  <a14:hiddenLine xmlns="" xmlns:a14="http://schemas.microsoft.com/office/drawing/2010/main" w="9525">
                     <a:solidFill>
                       <a:srgbClr val="000000"/>
                     </a:solidFill>
@@ -11639,7 +11639,7 @@
               </a:ln>
               <a:extLst>
                 <a:ext uri="{91240B29-F687-4f45-9708-019B960494DF}">
-                  <a14:hiddenLine xmlns:a14="http://schemas.microsoft.com/office/drawing/2010/main" xmlns="" w="9525">
+                  <a14:hiddenLine xmlns="" xmlns:a14="http://schemas.microsoft.com/office/drawing/2010/main" w="9525">
                     <a:solidFill>
                       <a:srgbClr val="000000"/>
                     </a:solidFill>
@@ -11704,7 +11704,7 @@
               </a:ln>
               <a:extLst>
                 <a:ext uri="{91240B29-F687-4f45-9708-019B960494DF}">
-                  <a14:hiddenLine xmlns:a14="http://schemas.microsoft.com/office/drawing/2010/main" xmlns="" w="9525">
+                  <a14:hiddenLine xmlns="" xmlns:a14="http://schemas.microsoft.com/office/drawing/2010/main" w="9525">
                     <a:solidFill>
                       <a:srgbClr val="000000"/>
                     </a:solidFill>
@@ -11794,7 +11794,7 @@
               </a:ln>
               <a:extLst>
                 <a:ext uri="{91240B29-F687-4f45-9708-019B960494DF}">
-                  <a14:hiddenLine xmlns:a14="http://schemas.microsoft.com/office/drawing/2010/main" xmlns="" w="9525">
+                  <a14:hiddenLine xmlns="" xmlns:a14="http://schemas.microsoft.com/office/drawing/2010/main" w="9525">
                     <a:solidFill>
                       <a:srgbClr val="000000"/>
                     </a:solidFill>
@@ -11862,7 +11862,7 @@
               </a:ln>
               <a:extLst>
                 <a:ext uri="{91240B29-F687-4f45-9708-019B960494DF}">
-                  <a14:hiddenLine xmlns:a14="http://schemas.microsoft.com/office/drawing/2010/main" xmlns="" w="9525">
+                  <a14:hiddenLine xmlns="" xmlns:a14="http://schemas.microsoft.com/office/drawing/2010/main" w="9525">
                     <a:solidFill>
                       <a:srgbClr val="000000"/>
                     </a:solidFill>
@@ -11952,7 +11952,7 @@
               </a:ln>
               <a:extLst>
                 <a:ext uri="{91240B29-F687-4f45-9708-019B960494DF}">
-                  <a14:hiddenLine xmlns:a14="http://schemas.microsoft.com/office/drawing/2010/main" xmlns="" w="9525">
+                  <a14:hiddenLine xmlns="" xmlns:a14="http://schemas.microsoft.com/office/drawing/2010/main" w="9525">
                     <a:solidFill>
                       <a:srgbClr val="000000"/>
                     </a:solidFill>
@@ -12020,7 +12020,7 @@
               </a:ln>
               <a:extLst>
                 <a:ext uri="{91240B29-F687-4f45-9708-019B960494DF}">
-                  <a14:hiddenLine xmlns:a14="http://schemas.microsoft.com/office/drawing/2010/main" xmlns="" w="9525">
+                  <a14:hiddenLine xmlns="" xmlns:a14="http://schemas.microsoft.com/office/drawing/2010/main" w="9525">
                     <a:solidFill>
                       <a:srgbClr val="000000"/>
                     </a:solidFill>
@@ -12110,7 +12110,7 @@
               </a:ln>
               <a:extLst>
                 <a:ext uri="{91240B29-F687-4f45-9708-019B960494DF}">
-                  <a14:hiddenLine xmlns:a14="http://schemas.microsoft.com/office/drawing/2010/main" xmlns="" w="9525">
+                  <a14:hiddenLine xmlns="" xmlns:a14="http://schemas.microsoft.com/office/drawing/2010/main" w="9525">
                     <a:solidFill>
                       <a:srgbClr val="000000"/>
                     </a:solidFill>
@@ -12144,7 +12144,7 @@
               </a:ln>
               <a:extLst>
                 <a:ext uri="{91240B29-F687-4f45-9708-019B960494DF}">
-                  <a14:hiddenLine xmlns:a14="http://schemas.microsoft.com/office/drawing/2010/main" xmlns="" w="9525">
+                  <a14:hiddenLine xmlns="" xmlns:a14="http://schemas.microsoft.com/office/drawing/2010/main" w="9525">
                     <a:solidFill>
                       <a:srgbClr val="000000"/>
                     </a:solidFill>
@@ -12869,8 +12869,8 @@
           </a:p>
         </p:txBody>
       </p:sp>
-      <mc:AlternateContent xmlns:mc="http://schemas.openxmlformats.org/markup-compatibility/2006">
-        <mc:Choice xmlns:a14="http://schemas.microsoft.com/office/drawing/2010/main" Requires="a14">
+      <mc:AlternateContent xmlns:mc="http://schemas.openxmlformats.org/markup-compatibility/2006" xmlns:a14="http://schemas.microsoft.com/office/drawing/2010/main">
+        <mc:Choice Requires="a14">
           <p:sp>
             <p:nvSpPr>
               <p:cNvPr id="6" name="Text Placeholder 5">
@@ -13100,7 +13100,7 @@
             </p:txBody>
           </p:sp>
         </mc:Choice>
-        <mc:Fallback>
+        <mc:Fallback xmlns="">
           <p:sp>
             <p:nvSpPr>
               <p:cNvPr id="6" name="Text Placeholder 5">
@@ -13918,13 +13918,8 @@
             <a:pPr lvl="1"/>
             <a:r>
               <a:rPr lang="en-US" dirty="0"/>
-              <a:t>More </a:t>
+              <a:t>More resilient</a:t>
             </a:r>
-            <a:r>
-              <a:rPr lang="en-US" dirty="0" err="1"/>
-              <a:t>resilent</a:t>
-            </a:r>
-            <a:endParaRPr lang="en-US" dirty="0"/>
           </a:p>
         </p:txBody>
       </p:sp>
